--- a/project 3 presentation_Final.pptx
+++ b/project 3 presentation_Final.pptx
@@ -130,12 +130,33 @@
 </p:presentation>
 </file>
 
-<file path=ppt/revisionInfo.xml><?xml version="1.0" encoding="utf-8"?>
-<p1510:revInfo xmlns:a="http://schemas.openxmlformats.org/drawingml/2006/main" xmlns:r="http://schemas.openxmlformats.org/officeDocument/2006/relationships" xmlns:p1510="http://schemas.microsoft.com/office/powerpoint/2015/10/main">
-  <p1510:revLst>
-    <p1510:client id="{E53A8123-4761-4186-BE36-6BBD4E72A05B}" v="13" dt="2021-03-10T20:56:01.042"/>
-  </p1510:revLst>
-</p1510:revInfo>
+<file path=ppt/changesInfos/changesInfo1.xml><?xml version="1.0" encoding="utf-8"?>
+<pc:chgInfo xmlns:a="http://schemas.openxmlformats.org/drawingml/2006/main" xmlns:r="http://schemas.openxmlformats.org/officeDocument/2006/relationships" xmlns:ac="http://schemas.microsoft.com/office/drawing/2013/main/command" xmlns:pc="http://schemas.microsoft.com/office/powerpoint/2013/main/command">
+  <pc:docChgLst>
+    <pc:chgData name="George Murnane" userId="2562e37d3483ba37" providerId="LiveId" clId="{A5991AD5-C072-4F87-A096-E35A0C1A649B}"/>
+    <pc:docChg chg="modSld">
+      <pc:chgData name="George Murnane" userId="2562e37d3483ba37" providerId="LiveId" clId="{A5991AD5-C072-4F87-A096-E35A0C1A649B}" dt="2021-03-13T17:41:33.485" v="3" actId="20577"/>
+      <pc:docMkLst>
+        <pc:docMk/>
+      </pc:docMkLst>
+      <pc:sldChg chg="modSp mod">
+        <pc:chgData name="George Murnane" userId="2562e37d3483ba37" providerId="LiveId" clId="{A5991AD5-C072-4F87-A096-E35A0C1A649B}" dt="2021-03-13T17:41:33.485" v="3" actId="20577"/>
+        <pc:sldMkLst>
+          <pc:docMk/>
+          <pc:sldMk cId="4064543539" sldId="273"/>
+        </pc:sldMkLst>
+        <pc:spChg chg="mod">
+          <ac:chgData name="George Murnane" userId="2562e37d3483ba37" providerId="LiveId" clId="{A5991AD5-C072-4F87-A096-E35A0C1A649B}" dt="2021-03-13T17:41:33.485" v="3" actId="20577"/>
+          <ac:spMkLst>
+            <pc:docMk/>
+            <pc:sldMk cId="4064543539" sldId="273"/>
+            <ac:spMk id="3" creationId="{962E6615-0441-429D-894C-9D84CED049F7}"/>
+          </ac:spMkLst>
+        </pc:spChg>
+      </pc:sldChg>
+    </pc:docChg>
+  </pc:docChgLst>
+</pc:chgInfo>
 </file>
 
 <file path=ppt/slideLayouts/slideLayout1.xml><?xml version="1.0" encoding="utf-8"?>
@@ -294,7 +315,7 @@
           <a:p>
             <a:fld id="{098A0168-EB40-45AF-89A1-87DE0A55FFC6}" type="datetime1">
               <a:rPr lang="en-US" smtClean="0"/>
-              <a:t>3/10/2021</a:t>
+              <a:t>3/13/2021</a:t>
             </a:fld>
             <a:endParaRPr lang="en-US"/>
           </a:p>
@@ -545,7 +566,7 @@
           <a:p>
             <a:fld id="{8F8CA68F-747D-436A-B5BB-2EBC3ED499E4}" type="datetime1">
               <a:rPr lang="en-US" smtClean="0"/>
-              <a:t>3/10/2021</a:t>
+              <a:t>3/13/2021</a:t>
             </a:fld>
             <a:endParaRPr lang="en-US"/>
           </a:p>
@@ -755,7 +776,7 @@
           <a:p>
             <a:fld id="{6DD8DC11-9E39-40A0-B3DC-E3F2AD04A616}" type="datetime1">
               <a:rPr lang="en-US" smtClean="0"/>
-              <a:t>3/10/2021</a:t>
+              <a:t>3/13/2021</a:t>
             </a:fld>
             <a:endParaRPr lang="en-US"/>
           </a:p>
@@ -965,7 +986,7 @@
           <a:p>
             <a:fld id="{BE0A88F0-556B-4BB7-8AAB-D63AEB65C662}" type="datetime1">
               <a:rPr lang="en-US" smtClean="0"/>
-              <a:t>3/10/2021</a:t>
+              <a:t>3/13/2021</a:t>
             </a:fld>
             <a:endParaRPr lang="en-US"/>
           </a:p>
@@ -1282,7 +1303,7 @@
           <a:p>
             <a:fld id="{60E05506-6815-4E0E-B1DE-ECA35C2016DF}" type="datetime1">
               <a:rPr lang="en-US" smtClean="0"/>
-              <a:t>3/10/2021</a:t>
+              <a:t>3/13/2021</a:t>
             </a:fld>
             <a:endParaRPr lang="en-US"/>
           </a:p>
@@ -1555,7 +1576,7 @@
           <a:p>
             <a:fld id="{FC6E85F7-A724-48A4-9D33-CEBC5174E865}" type="datetime1">
               <a:rPr lang="en-US" smtClean="0"/>
-              <a:t>3/10/2021</a:t>
+              <a:t>3/13/2021</a:t>
             </a:fld>
             <a:endParaRPr lang="en-US"/>
           </a:p>
@@ -2066,7 +2087,7 @@
           <a:p>
             <a:fld id="{42806E7A-BDD3-46A3-BEE2-EB821F9236B4}" type="datetime1">
               <a:rPr lang="en-US" smtClean="0"/>
-              <a:t>3/10/2021</a:t>
+              <a:t>3/13/2021</a:t>
             </a:fld>
             <a:endParaRPr lang="en-US"/>
           </a:p>
@@ -2299,7 +2320,7 @@
           <a:p>
             <a:fld id="{9ED1540C-9440-4E7A-B71A-BEFEE06869E3}" type="datetime1">
               <a:rPr lang="en-US" smtClean="0"/>
-              <a:t>3/10/2021</a:t>
+              <a:t>3/13/2021</a:t>
             </a:fld>
             <a:endParaRPr lang="en-US"/>
           </a:p>
@@ -2412,7 +2433,7 @@
           <a:p>
             <a:fld id="{E0318DDB-88AC-4039-B59C-B05DC4C9C16C}" type="datetime1">
               <a:rPr lang="en-US" smtClean="0"/>
-              <a:t>3/10/2021</a:t>
+              <a:t>3/13/2021</a:t>
             </a:fld>
             <a:endParaRPr lang="en-US"/>
           </a:p>
@@ -2727,7 +2748,7 @@
           <a:p>
             <a:fld id="{E082ABFB-60E7-4BA1-866A-7059F058065B}" type="datetime1">
               <a:rPr lang="en-US" smtClean="0"/>
-              <a:t>3/10/2021</a:t>
+              <a:t>3/13/2021</a:t>
             </a:fld>
             <a:endParaRPr lang="en-US"/>
           </a:p>
@@ -3019,7 +3040,7 @@
           <a:p>
             <a:fld id="{2694112F-55F4-4776-A323-7418930321C8}" type="datetime1">
               <a:rPr lang="en-US" smtClean="0"/>
-              <a:t>3/10/2021</a:t>
+              <a:t>3/13/2021</a:t>
             </a:fld>
             <a:endParaRPr lang="en-US"/>
           </a:p>
@@ -3314,7 +3335,7 @@
           <a:p>
             <a:fld id="{CFBEA57F-793F-4683-BD8A-741FD4B89154}" type="datetime1">
               <a:rPr lang="en-US" smtClean="0"/>
-              <a:t>3/10/2021</a:t>
+              <a:t>3/13/2021</a:t>
             </a:fld>
             <a:endParaRPr lang="en-US" dirty="0"/>
           </a:p>
@@ -4945,7 +4966,7 @@
                   <a:spcPts val="600"/>
                 </a:spcAft>
               </a:pPr>
-              <a:t>3/10/2021</a:t>
+              <a:t>3/13/2021</a:t>
             </a:fld>
             <a:endParaRPr lang="en-US"/>
           </a:p>
@@ -5381,7 +5402,7 @@
           <a:p>
             <a:fld id="{BE0A88F0-556B-4BB7-8AAB-D63AEB65C662}" type="datetime1">
               <a:rPr lang="en-US" smtClean="0"/>
-              <a:t>3/10/2021</a:t>
+              <a:t>3/13/2021</a:t>
             </a:fld>
             <a:endParaRPr lang="en-US"/>
           </a:p>
@@ -5826,7 +5847,7 @@
                   <a:spcPts val="600"/>
                 </a:spcAft>
               </a:pPr>
-              <a:t>3/10/2021</a:t>
+              <a:t>3/13/2021</a:t>
             </a:fld>
             <a:endParaRPr lang="en-US"/>
           </a:p>
@@ -6262,7 +6283,7 @@
           <a:p>
             <a:fld id="{BE0A88F0-556B-4BB7-8AAB-D63AEB65C662}" type="datetime1">
               <a:rPr lang="en-US" smtClean="0"/>
-              <a:t>3/10/2021</a:t>
+              <a:t>3/13/2021</a:t>
             </a:fld>
             <a:endParaRPr lang="en-US"/>
           </a:p>
@@ -6674,7 +6695,7 @@
                   <a:spcPts val="600"/>
                 </a:spcAft>
               </a:pPr>
-              <a:t>3/10/2021</a:t>
+              <a:t>3/13/2021</a:t>
             </a:fld>
             <a:endParaRPr lang="en-US"/>
           </a:p>
@@ -7113,7 +7134,7 @@
           <a:p>
             <a:fld id="{BE0A88F0-556B-4BB7-8AAB-D63AEB65C662}" type="datetime1">
               <a:rPr lang="en-US" smtClean="0"/>
-              <a:t>3/10/2021</a:t>
+              <a:t>3/13/2021</a:t>
             </a:fld>
             <a:endParaRPr lang="en-US"/>
           </a:p>
@@ -7306,7 +7327,7 @@
           <a:p>
             <a:fld id="{BE0A88F0-556B-4BB7-8AAB-D63AEB65C662}" type="datetime1">
               <a:rPr lang="en-US" smtClean="0"/>
-              <a:t>3/10/2021</a:t>
+              <a:t>3/13/2021</a:t>
             </a:fld>
             <a:endParaRPr lang="en-US"/>
           </a:p>
@@ -7713,7 +7734,7 @@
                   <a:spcPts val="600"/>
                 </a:spcAft>
               </a:pPr>
-              <a:t>3/10/2021</a:t>
+              <a:t>3/13/2021</a:t>
             </a:fld>
             <a:endParaRPr lang="en-US"/>
           </a:p>
@@ -8410,7 +8431,7 @@
                   <a:spcPts val="600"/>
                 </a:spcAft>
               </a:pPr>
-              <a:t>3/10/2021</a:t>
+              <a:t>3/13/2021</a:t>
             </a:fld>
             <a:endParaRPr lang="en-US"/>
           </a:p>
@@ -9279,7 +9300,7 @@
                   <a:spcPts val="600"/>
                 </a:spcAft>
               </a:pPr>
-              <a:t>3/10/2021</a:t>
+              <a:t>3/13/2021</a:t>
             </a:fld>
             <a:endParaRPr lang="en-US"/>
           </a:p>
@@ -13642,7 +13663,7 @@
           <a:p>
             <a:fld id="{BE0A88F0-556B-4BB7-8AAB-D63AEB65C662}" type="datetime1">
               <a:rPr lang="en-US" smtClean="0"/>
-              <a:t>3/10/2021</a:t>
+              <a:t>3/13/2021</a:t>
             </a:fld>
             <a:endParaRPr lang="en-US"/>
           </a:p>
@@ -13846,7 +13867,7 @@
           <a:p>
             <a:fld id="{BE0A88F0-556B-4BB7-8AAB-D63AEB65C662}" type="datetime1">
               <a:rPr lang="en-US" smtClean="0"/>
-              <a:t>3/10/2021</a:t>
+              <a:t>3/13/2021</a:t>
             </a:fld>
             <a:endParaRPr lang="en-US"/>
           </a:p>
@@ -14407,7 +14428,7 @@
                   <a:spcPts val="600"/>
                 </a:spcAft>
               </a:pPr>
-              <a:t>3/10/2021</a:t>
+              <a:t>3/13/2021</a:t>
             </a:fld>
             <a:endParaRPr lang="en-US"/>
           </a:p>
@@ -15184,7 +15205,7 @@
           <a:p>
             <a:fld id="{BE0A88F0-556B-4BB7-8AAB-D63AEB65C662}" type="datetime1">
               <a:rPr lang="en-US" smtClean="0"/>
-              <a:t>3/10/2021</a:t>
+              <a:t>3/13/2021</a:t>
             </a:fld>
             <a:endParaRPr lang="en-US"/>
           </a:p>
@@ -15514,7 +15535,7 @@
           <a:p>
             <a:fld id="{BE0A88F0-556B-4BB7-8AAB-D63AEB65C662}" type="datetime1">
               <a:rPr lang="en-US" smtClean="0"/>
-              <a:t>3/10/2021</a:t>
+              <a:t>3/13/2021</a:t>
             </a:fld>
             <a:endParaRPr lang="en-US"/>
           </a:p>
@@ -15903,7 +15924,7 @@
                   <a:spcPts val="600"/>
                 </a:spcAft>
               </a:pPr>
-              <a:t>3/10/2021</a:t>
+              <a:t>3/13/2021</a:t>
             </a:fld>
             <a:endParaRPr lang="en-US"/>
           </a:p>
@@ -16507,23 +16528,23 @@
             </a:pPr>
             <a:r>
               <a:rPr lang="en-US" sz="1500" dirty="0"/>
-              <a:t>All NFTs have a uint256 variable called </a:t>
+              <a:t>All NFTs have a </a:t>
             </a:r>
             <a:r>
               <a:rPr lang="en-US" sz="1500" dirty="0" err="1"/>
-              <a:t>tokenId</a:t>
+              <a:t>uint</a:t>
             </a:r>
             <a:r>
               <a:rPr lang="en-US" sz="1500" dirty="0"/>
-              <a:t>, so for any ERC-721 Contract, the pair contract address, uint256 </a:t>
+              <a:t> 256 variable called token Id, so for any ERC-721 Contract, the pair contract address, </a:t>
             </a:r>
             <a:r>
               <a:rPr lang="en-US" sz="1500" dirty="0" err="1"/>
-              <a:t>tokenId</a:t>
+              <a:t>uint</a:t>
             </a:r>
             <a:r>
               <a:rPr lang="en-US" sz="1500" dirty="0"/>
-              <a:t> must be globally unique. ​</a:t>
+              <a:t> 256 token Id must be globally unique. ​</a:t>
             </a:r>
           </a:p>
           <a:p>
@@ -16661,7 +16682,7 @@
                   <a:spcPts val="600"/>
                 </a:spcAft>
               </a:pPr>
-              <a:t>3/10/2021</a:t>
+              <a:t>3/13/2021</a:t>
             </a:fld>
             <a:endParaRPr lang="en-US"/>
           </a:p>
@@ -17357,7 +17378,7 @@
                   <a:spcPts val="600"/>
                 </a:spcAft>
               </a:pPr>
-              <a:t>3/10/2021</a:t>
+              <a:t>3/13/2021</a:t>
             </a:fld>
             <a:endParaRPr lang="en-US"/>
           </a:p>
